--- a/guiones/dia2.pptx
+++ b/guiones/dia2.pptx
@@ -289,7 +289,7 @@
         </p:nvSpPr>
         <p:spPr>
           <a:xfrm>
-            <a:off x="6231960" y="3682080"/>
+            <a:off x="609480" y="3682080"/>
             <a:ext cx="5354280" cy="1896840"/>
           </a:xfrm>
           <a:prstGeom prst="rect">
@@ -319,7 +319,7 @@
         </p:nvSpPr>
         <p:spPr>
           <a:xfrm>
-            <a:off x="609480" y="3682080"/>
+            <a:off x="6231960" y="3682080"/>
             <a:ext cx="5354280" cy="1896840"/>
           </a:xfrm>
           <a:prstGeom prst="rect">
@@ -490,7 +490,7 @@
         </p:nvSpPr>
         <p:spPr>
           <a:xfrm>
-            <a:off x="8029800" y="3682080"/>
+            <a:off x="609480" y="3682080"/>
             <a:ext cx="3533040" cy="1896840"/>
           </a:xfrm>
           <a:prstGeom prst="rect">
@@ -550,7 +550,7 @@
         </p:nvSpPr>
         <p:spPr>
           <a:xfrm>
-            <a:off x="609480" y="3682080"/>
+            <a:off x="8029800" y="3682080"/>
             <a:ext cx="3533040" cy="1896840"/>
           </a:xfrm>
           <a:prstGeom prst="rect">
@@ -1057,8 +1057,8 @@
         </p:nvSpPr>
         <p:spPr>
           <a:xfrm>
-            <a:off x="609480" y="3682080"/>
-            <a:ext cx="5354280" cy="1896840"/>
+            <a:off x="6231960" y="1604520"/>
+            <a:ext cx="5354280" cy="3977280"/>
           </a:xfrm>
           <a:prstGeom prst="rect">
             <a:avLst/>
@@ -1087,8 +1087,8 @@
         </p:nvSpPr>
         <p:spPr>
           <a:xfrm>
-            <a:off x="6231960" y="1604520"/>
-            <a:ext cx="5354280" cy="3977280"/>
+            <a:off x="609480" y="3682080"/>
+            <a:ext cx="5354280" cy="1896840"/>
           </a:xfrm>
           <a:prstGeom prst="rect">
             <a:avLst/>
@@ -1701,7 +1701,7 @@
         </p:nvSpPr>
         <p:spPr>
           <a:xfrm>
-            <a:off x="6231960" y="3682080"/>
+            <a:off x="609480" y="3682080"/>
             <a:ext cx="5354280" cy="1896840"/>
           </a:xfrm>
           <a:prstGeom prst="rect">
@@ -1731,7 +1731,7 @@
         </p:nvSpPr>
         <p:spPr>
           <a:xfrm>
-            <a:off x="609480" y="3682080"/>
+            <a:off x="6231960" y="3682080"/>
             <a:ext cx="5354280" cy="1896840"/>
           </a:xfrm>
           <a:prstGeom prst="rect">
@@ -1902,7 +1902,7 @@
         </p:nvSpPr>
         <p:spPr>
           <a:xfrm>
-            <a:off x="8029800" y="3682080"/>
+            <a:off x="609480" y="3682080"/>
             <a:ext cx="3533040" cy="1896840"/>
           </a:xfrm>
           <a:prstGeom prst="rect">
@@ -1962,7 +1962,7 @@
         </p:nvSpPr>
         <p:spPr>
           <a:xfrm>
-            <a:off x="609480" y="3682080"/>
+            <a:off x="8029800" y="3682080"/>
             <a:ext cx="3533040" cy="1896840"/>
           </a:xfrm>
           <a:prstGeom prst="rect">
@@ -2367,8 +2367,8 @@
         </p:nvSpPr>
         <p:spPr>
           <a:xfrm>
-            <a:off x="609480" y="3682080"/>
-            <a:ext cx="5354280" cy="1896840"/>
+            <a:off x="6231960" y="1604520"/>
+            <a:ext cx="5354280" cy="3977280"/>
           </a:xfrm>
           <a:prstGeom prst="rect">
             <a:avLst/>
@@ -2397,8 +2397,8 @@
         </p:nvSpPr>
         <p:spPr>
           <a:xfrm>
-            <a:off x="6231960" y="1604520"/>
-            <a:ext cx="5354280" cy="3977280"/>
+            <a:off x="609480" y="3682080"/>
+            <a:ext cx="5354280" cy="1896840"/>
           </a:xfrm>
           <a:prstGeom prst="rect">
             <a:avLst/>
@@ -3970,7 +3970,7 @@
         <p:spPr>
           <a:xfrm>
             <a:off x="7805160" y="1411920"/>
-            <a:ext cx="3757680" cy="4387320"/>
+            <a:ext cx="3757680" cy="3696120"/>
           </a:xfrm>
           <a:prstGeom prst="rect">
             <a:avLst/>
@@ -9069,6 +9069,33 @@
       </p:sp>
     </p:spTree>
   </p:cSld>
+  <p:timing>
+    <p:tnLst>
+      <p:par>
+        <p:cTn id="1" dur="indefinite" restart="never" nodeType="tmRoot">
+          <p:childTnLst>
+            <p:seq>
+              <p:cTn id="2" dur="indefinite" nodeType="mainSeq"/>
+              <p:prevCondLst>
+                <p:cond delay="0" evt="onPrev">
+                  <p:tgtEl>
+                    <p:sldTgt/>
+                  </p:tgtEl>
+                </p:cond>
+              </p:prevCondLst>
+              <p:nextCondLst>
+                <p:cond delay="0" evt="onNext">
+                  <p:tgtEl>
+                    <p:sldTgt/>
+                  </p:tgtEl>
+                </p:cond>
+              </p:nextCondLst>
+            </p:seq>
+          </p:childTnLst>
+        </p:cTn>
+      </p:par>
+    </p:tnLst>
+  </p:timing>
 </p:sld>
 </file>
 
@@ -9472,6 +9499,33 @@
       </p:sp>
     </p:spTree>
   </p:cSld>
+  <p:timing>
+    <p:tnLst>
+      <p:par>
+        <p:cTn id="3" dur="indefinite" restart="never" nodeType="tmRoot">
+          <p:childTnLst>
+            <p:seq>
+              <p:cTn id="4" dur="indefinite" nodeType="mainSeq"/>
+              <p:prevCondLst>
+                <p:cond delay="0" evt="onPrev">
+                  <p:tgtEl>
+                    <p:sldTgt/>
+                  </p:tgtEl>
+                </p:cond>
+              </p:prevCondLst>
+              <p:nextCondLst>
+                <p:cond delay="0" evt="onNext">
+                  <p:tgtEl>
+                    <p:sldTgt/>
+                  </p:tgtEl>
+                </p:cond>
+              </p:nextCondLst>
+            </p:seq>
+          </p:childTnLst>
+        </p:cTn>
+      </p:par>
+    </p:tnLst>
+  </p:timing>
 </p:sld>
 </file>
 
@@ -11129,6 +11183,33 @@
       </p:sp>
     </p:spTree>
   </p:cSld>
+  <p:timing>
+    <p:tnLst>
+      <p:par>
+        <p:cTn id="5" dur="indefinite" restart="never" nodeType="tmRoot">
+          <p:childTnLst>
+            <p:seq>
+              <p:cTn id="6" dur="indefinite" nodeType="mainSeq"/>
+              <p:prevCondLst>
+                <p:cond delay="0" evt="onPrev">
+                  <p:tgtEl>
+                    <p:sldTgt/>
+                  </p:tgtEl>
+                </p:cond>
+              </p:prevCondLst>
+              <p:nextCondLst>
+                <p:cond delay="0" evt="onNext">
+                  <p:tgtEl>
+                    <p:sldTgt/>
+                  </p:tgtEl>
+                </p:cond>
+              </p:nextCondLst>
+            </p:seq>
+          </p:childTnLst>
+        </p:cTn>
+      </p:par>
+    </p:tnLst>
+  </p:timing>
 </p:sld>
 </file>
 
@@ -11334,7 +11415,7 @@
         <p:spPr>
           <a:xfrm>
             <a:off x="492480" y="945000"/>
-            <a:ext cx="10739520" cy="5031000"/>
+            <a:ext cx="10739520" cy="4551480"/>
           </a:xfrm>
           <a:prstGeom prst="rect">
             <a:avLst/>
@@ -11345,9 +11426,7 @@
           </a:ln>
         </p:spPr>
         <p:txBody>
-          <a:bodyPr lIns="0" rIns="0" tIns="16200" bIns="0">
-            <a:normAutofit/>
-          </a:bodyPr>
+          <a:bodyPr lIns="0" rIns="0" tIns="0" bIns="0"/>
           <a:p>
             <a:pPr marL="199800" indent="-199800">
               <a:spcAft>
@@ -11365,17 +11444,18 @@
               </a:rPr>
               <a:t>Anotaciones de varianza (variance annotation)</a:t>
             </a:r>
-            <a:endParaRPr b="0" lang="en-GB" sz="1800" spc="-1" strike="noStrike">
-              <a:latin typeface="Arial"/>
-            </a:endParaRPr>
-          </a:p>
-          <a:p>
-            <a:pPr lvl="1" marL="1479240" indent="-564840">
+            <a:endParaRPr b="1" lang="en-US" sz="1800" spc="-1" strike="noStrike">
+              <a:latin typeface="Arial"/>
+              <a:ea typeface="AR PL SungtiL GB"/>
+            </a:endParaRPr>
+          </a:p>
+          <a:p>
+            <a:pPr lvl="1" marL="742680" indent="-285480">
               <a:spcAft>
-                <a:spcPts val="1123"/>
+                <a:spcPts val="1412"/>
               </a:spcAft>
               <a:buClr>
-                <a:srgbClr val="007fff"/>
+                <a:srgbClr val="1b75bc"/>
               </a:buClr>
               <a:buFont typeface="Ubuntu"/>
               <a:buChar char="•"/>
@@ -11386,17 +11466,18 @@
               </a:rPr>
               <a:t>+A indicaría que covariante(positivo)</a:t>
             </a:r>
-            <a:endParaRPr b="0" lang="en-GB" sz="1800" spc="-1" strike="noStrike">
-              <a:latin typeface="Arial"/>
-            </a:endParaRPr>
-          </a:p>
-          <a:p>
-            <a:pPr lvl="1" marL="1479240" indent="-564840">
+            <a:endParaRPr b="1" lang="en-US" sz="1800" spc="-1" strike="noStrike">
+              <a:latin typeface="Arial"/>
+              <a:ea typeface="AR PL SungtiL GB"/>
+            </a:endParaRPr>
+          </a:p>
+          <a:p>
+            <a:pPr lvl="1" marL="742680" indent="-285480">
               <a:spcAft>
-                <a:spcPts val="1123"/>
+                <a:spcPts val="1412"/>
               </a:spcAft>
               <a:buClr>
-                <a:srgbClr val="007fff"/>
+                <a:srgbClr val="1b75bc"/>
               </a:buClr>
               <a:buFont typeface="Ubuntu"/>
               <a:buChar char="•"/>
@@ -11407,17 +11488,18 @@
               </a:rPr>
               <a:t>A indicaría que es invariante</a:t>
             </a:r>
-            <a:endParaRPr b="0" lang="en-GB" sz="1800" spc="-1" strike="noStrike">
-              <a:latin typeface="Arial"/>
-            </a:endParaRPr>
-          </a:p>
-          <a:p>
-            <a:pPr lvl="1" marL="1479240" indent="-564840">
+            <a:endParaRPr b="1" lang="en-US" sz="1800" spc="-1" strike="noStrike">
+              <a:latin typeface="Arial"/>
+              <a:ea typeface="AR PL SungtiL GB"/>
+            </a:endParaRPr>
+          </a:p>
+          <a:p>
+            <a:pPr lvl="1" marL="742680" indent="-285480">
               <a:spcAft>
-                <a:spcPts val="1123"/>
+                <a:spcPts val="1412"/>
               </a:spcAft>
               <a:buClr>
-                <a:srgbClr val="007fff"/>
+                <a:srgbClr val="1b75bc"/>
               </a:buClr>
               <a:buFont typeface="Ubuntu"/>
               <a:buChar char="•"/>
@@ -11428,18 +11510,9 @@
               </a:rPr>
               <a:t>-A indicaría que es contravariante(negativo)</a:t>
             </a:r>
-            <a:endParaRPr b="0" lang="en-GB" sz="1800" spc="-1" strike="noStrike">
-              <a:latin typeface="Arial"/>
-            </a:endParaRPr>
-          </a:p>
-          <a:p>
-            <a:pPr lvl="1" marL="1484280" indent="-563760">
-              <a:spcAft>
-                <a:spcPts val="1123"/>
-              </a:spcAft>
-            </a:pPr>
-            <a:endParaRPr b="0" lang="en-GB" sz="1800" spc="-1" strike="noStrike">
-              <a:latin typeface="Arial"/>
+            <a:endParaRPr b="1" lang="en-US" sz="1800" spc="-1" strike="noStrike">
+              <a:latin typeface="Arial"/>
+              <a:ea typeface="AR PL SungtiL GB"/>
             </a:endParaRPr>
           </a:p>
           <a:p>
@@ -11457,25 +11530,26 @@
               <a:rPr b="1" lang="en-US" sz="1800" spc="-1" strike="noStrike">
                 <a:latin typeface="Arial"/>
               </a:rPr>
-              <a:t>Covariante</a:t>
+              <a:t>Covariante: </a:t>
             </a:r>
             <a:r>
               <a:rPr b="0" lang="en-US" sz="1800" spc="-1" strike="noStrike">
                 <a:latin typeface="Arial"/>
               </a:rPr>
-              <a:t>: Una estructura de subtipos es considerada subtipo de la estructura de supertipos</a:t>
-            </a:r>
-            <a:endParaRPr b="0" lang="en-GB" sz="1800" spc="-1" strike="noStrike">
-              <a:latin typeface="Arial"/>
-            </a:endParaRPr>
-          </a:p>
-          <a:p>
-            <a:pPr lvl="1" marL="1479240" indent="-564840">
+              <a:t>Una estructura de subtipos es considerada subtipo de la estructura de supertipos</a:t>
+            </a:r>
+            <a:endParaRPr b="1" lang="en-US" sz="1800" spc="-1" strike="noStrike">
+              <a:latin typeface="Arial"/>
+              <a:ea typeface="AR PL SungtiL GB"/>
+            </a:endParaRPr>
+          </a:p>
+          <a:p>
+            <a:pPr lvl="1" marL="742680" indent="-285480">
               <a:spcAft>
-                <a:spcPts val="1123"/>
+                <a:spcPts val="1412"/>
               </a:spcAft>
               <a:buClr>
-                <a:srgbClr val="007fff"/>
+                <a:srgbClr val="1b75bc"/>
               </a:buClr>
               <a:buFont typeface="Ubuntu"/>
               <a:buChar char="•"/>
@@ -11483,18 +11557,34 @@
             <a:r>
               <a:rPr b="0" lang="en-US" sz="1800" spc="-1" strike="noStrike">
                 <a:latin typeface="Arial"/>
-                <a:ea typeface="AR PL SungtiL GB"/>
-              </a:rPr>
-              <a:t>Si A es subtipo de B =&gt; Estruct[A] es subtipo de </a:t>
-            </a:r>
+              </a:rPr>
+              <a:t>Si A es subtipo de B =&gt; Estruct[A] es subtipo de Estruct[B]</a:t>
+            </a:r>
+            <a:endParaRPr b="1" lang="en-US" sz="1800" spc="-1" strike="noStrike">
+              <a:latin typeface="Arial"/>
+              <a:ea typeface="AR PL SungtiL GB"/>
+            </a:endParaRPr>
+          </a:p>
+          <a:p>
+            <a:pPr lvl="1" marL="742680" indent="-285480">
+              <a:spcAft>
+                <a:spcPts val="1412"/>
+              </a:spcAft>
+              <a:buClr>
+                <a:srgbClr val="1b75bc"/>
+              </a:buClr>
+              <a:buFont typeface="Ubuntu"/>
+              <a:buChar char="•"/>
+            </a:pPr>
             <a:r>
               <a:rPr b="0" lang="en-US" sz="1800" spc="-1" strike="noStrike">
                 <a:latin typeface="Arial"/>
               </a:rPr>
-              <a:t>Estruct[B]</a:t>
-            </a:r>
-            <a:endParaRPr b="0" lang="en-GB" sz="1800" spc="-1" strike="noStrike">
-              <a:latin typeface="Arial"/>
+              <a:t>A &lt;: B =&gt; Estruct[A] &lt;:  Estruct[B]</a:t>
+            </a:r>
+            <a:endParaRPr b="1" lang="en-US" sz="1800" spc="-1" strike="noStrike">
+              <a:latin typeface="Arial"/>
+              <a:ea typeface="AR PL SungtiL GB"/>
             </a:endParaRPr>
           </a:p>
           <a:p>
@@ -11512,116 +11602,144 @@
               <a:rPr b="1" lang="en-US" sz="1800" spc="-1" strike="noStrike">
                 <a:latin typeface="Arial"/>
               </a:rPr>
-              <a:t>Contravariante</a:t>
+              <a:t>Contravariante: </a:t>
             </a:r>
             <a:r>
               <a:rPr b="0" lang="en-US" sz="1800" spc="-1" strike="noStrike">
                 <a:latin typeface="Arial"/>
               </a:rPr>
-              <a:t>: Una estructura de subtipos es considerada supertipo de estructura de supertipos</a:t>
-            </a:r>
-            <a:endParaRPr b="0" lang="en-GB" sz="1800" spc="-1" strike="noStrike">
-              <a:latin typeface="Arial"/>
-            </a:endParaRPr>
-          </a:p>
-          <a:p>
-            <a:pPr lvl="1" marL="1479240" indent="-564840">
-              <a:spcAft>
-                <a:spcPts val="1123"/>
-              </a:spcAft>
-              <a:buClr>
-                <a:srgbClr val="007fff"/>
-              </a:buClr>
-              <a:buFont typeface="Ubuntu"/>
-              <a:buChar char="•"/>
-            </a:pPr>
-            <a:r>
-              <a:rPr b="0" lang="en-US" sz="1800" spc="-1" strike="noStrike">
-                <a:latin typeface="Arial"/>
-                <a:ea typeface="AR PL SungtiL GB"/>
-              </a:rPr>
-              <a:t>Si A es subtipo de B =&gt; Estruct[B] es subtipo de </a:t>
-            </a:r>
-            <a:r>
-              <a:rPr b="0" lang="en-US" sz="1800" spc="-1" strike="noStrike">
-                <a:latin typeface="Arial"/>
-              </a:rPr>
-              <a:t>Estruct[A]</a:t>
-            </a:r>
-            <a:endParaRPr b="0" lang="en-GB" sz="1800" spc="-1" strike="noStrike">
-              <a:latin typeface="Arial"/>
-            </a:endParaRPr>
-          </a:p>
-          <a:p>
-            <a:pPr marL="204480" indent="-199800">
+              <a:t>Una estructura de subtipos es considerada supertipo de estructura de supertipos</a:t>
+            </a:r>
+            <a:endParaRPr b="1" lang="en-US" sz="1800" spc="-1" strike="noStrike">
+              <a:latin typeface="Arial"/>
+              <a:ea typeface="AR PL SungtiL GB"/>
+            </a:endParaRPr>
+          </a:p>
+          <a:p>
+            <a:pPr lvl="1" marL="742680" indent="-285480">
               <a:spcAft>
                 <a:spcPts val="1412"/>
               </a:spcAft>
-            </a:pPr>
-            <a:endParaRPr b="0" lang="en-GB" sz="1800" spc="-1" strike="noStrike">
-              <a:latin typeface="Arial"/>
-            </a:endParaRPr>
-          </a:p>
-          <a:p>
-            <a:pPr marL="204480" indent="-199800">
+              <a:buClr>
+                <a:srgbClr val="1b75bc"/>
+              </a:buClr>
+              <a:buFont typeface="Ubuntu"/>
+              <a:buChar char="•"/>
+            </a:pPr>
+            <a:r>
+              <a:rPr b="0" lang="en-US" sz="1800" spc="-1" strike="noStrike">
+                <a:latin typeface="Arial"/>
+              </a:rPr>
+              <a:t>Si A es subtipo de B =&gt; Estruct[B] es subtipo de Estruct[A]</a:t>
+            </a:r>
+            <a:endParaRPr b="1" lang="en-US" sz="1800" spc="-1" strike="noStrike">
+              <a:latin typeface="Arial"/>
+              <a:ea typeface="AR PL SungtiL GB"/>
+            </a:endParaRPr>
+          </a:p>
+          <a:p>
+            <a:pPr lvl="1" marL="742680" indent="-285480">
               <a:spcAft>
                 <a:spcPts val="1412"/>
               </a:spcAft>
-            </a:pPr>
-            <a:endParaRPr b="0" lang="en-GB" sz="1800" spc="-1" strike="noStrike">
-              <a:latin typeface="Arial"/>
-            </a:endParaRPr>
-          </a:p>
-          <a:p>
-            <a:pPr marL="204480" indent="-199800">
+              <a:buClr>
+                <a:srgbClr val="1b75bc"/>
+              </a:buClr>
+              <a:buFont typeface="Ubuntu"/>
+              <a:buChar char="•"/>
+            </a:pPr>
+            <a:r>
+              <a:rPr b="0" lang="en-US" sz="1800" spc="-1" strike="noStrike">
+                <a:latin typeface="Arial"/>
+              </a:rPr>
+              <a:t>A &lt;: B =&gt; Estruct[A] :&gt;  Estruct[B]</a:t>
+            </a:r>
+            <a:endParaRPr b="1" lang="en-US" sz="1800" spc="-1" strike="noStrike">
+              <a:latin typeface="Arial"/>
+              <a:ea typeface="AR PL SungtiL GB"/>
+            </a:endParaRPr>
+          </a:p>
+          <a:p>
+            <a:pPr marL="199800" indent="-199800">
               <a:spcAft>
                 <a:spcPts val="1412"/>
               </a:spcAft>
-            </a:pPr>
-            <a:endParaRPr b="0" lang="en-GB" sz="1800" spc="-1" strike="noStrike">
-              <a:latin typeface="Arial"/>
-            </a:endParaRPr>
-          </a:p>
-          <a:p>
-            <a:pPr marL="204480" indent="-199800">
+              <a:buClr>
+                <a:srgbClr val="007fff"/>
+              </a:buClr>
+              <a:buFont typeface="Ubuntu"/>
+              <a:buChar char="›"/>
+            </a:pPr>
+            <a:r>
+              <a:rPr b="1" lang="en-US" sz="1800" spc="-1" strike="noStrike">
+                <a:latin typeface="Arial"/>
+              </a:rPr>
+              <a:t>Invariante: </a:t>
+            </a:r>
+            <a:r>
+              <a:rPr b="0" lang="en-US" sz="1800" spc="-1" strike="noStrike">
+                <a:latin typeface="Arial"/>
+              </a:rPr>
+              <a:t>No existe relación entre las estructuras independientemente de la relación entre los tipos</a:t>
+            </a:r>
+            <a:endParaRPr b="1" lang="en-US" sz="1800" spc="-1" strike="noStrike">
+              <a:latin typeface="Arial"/>
+              <a:ea typeface="AR PL SungtiL GB"/>
+            </a:endParaRPr>
+          </a:p>
+          <a:p>
+            <a:pPr lvl="1" marL="742680" indent="-285480">
               <a:spcAft>
                 <a:spcPts val="1412"/>
               </a:spcAft>
-            </a:pPr>
-            <a:endParaRPr b="0" lang="en-GB" sz="1800" spc="-1" strike="noStrike">
-              <a:latin typeface="Arial"/>
-            </a:endParaRPr>
-          </a:p>
-          <a:p>
-            <a:pPr>
-              <a:lnSpc>
-                <a:spcPct val="96000"/>
-              </a:lnSpc>
-              <a:spcAft>
-                <a:spcPts val="1412"/>
-              </a:spcAft>
-            </a:pPr>
-            <a:endParaRPr b="0" lang="en-GB" sz="1800" spc="-1" strike="noStrike">
-              <a:latin typeface="Arial"/>
-            </a:endParaRPr>
-          </a:p>
-          <a:p>
-            <a:pPr marL="431640" indent="-414360">
-              <a:lnSpc>
-                <a:spcPct val="96000"/>
-              </a:lnSpc>
-              <a:spcAft>
-                <a:spcPts val="1412"/>
-              </a:spcAft>
-            </a:pPr>
-            <a:endParaRPr b="0" lang="en-GB" sz="1800" spc="-1" strike="noStrike">
-              <a:latin typeface="Arial"/>
+              <a:buClr>
+                <a:srgbClr val="1b75bc"/>
+              </a:buClr>
+              <a:buFont typeface="Ubuntu"/>
+              <a:buChar char="•"/>
+            </a:pPr>
+            <a:r>
+              <a:rPr b="0" lang="en-US" sz="1800" spc="-1" strike="noStrike">
+                <a:latin typeface="Arial"/>
+              </a:rPr>
+              <a:t>A &lt;: B =&gt; nada</a:t>
+            </a:r>
+            <a:endParaRPr b="1" lang="en-US" sz="1800" spc="-1" strike="noStrike">
+              <a:latin typeface="Arial"/>
+              <a:ea typeface="AR PL SungtiL GB"/>
             </a:endParaRPr>
           </a:p>
         </p:txBody>
       </p:sp>
     </p:spTree>
   </p:cSld>
+  <p:timing>
+    <p:tnLst>
+      <p:par>
+        <p:cTn id="7" dur="indefinite" restart="never" nodeType="tmRoot">
+          <p:childTnLst>
+            <p:seq>
+              <p:cTn id="8" dur="indefinite" nodeType="mainSeq"/>
+              <p:prevCondLst>
+                <p:cond delay="0" evt="onPrev">
+                  <p:tgtEl>
+                    <p:sldTgt/>
+                  </p:tgtEl>
+                </p:cond>
+              </p:prevCondLst>
+              <p:nextCondLst>
+                <p:cond delay="0" evt="onNext">
+                  <p:tgtEl>
+                    <p:sldTgt/>
+                  </p:tgtEl>
+                </p:cond>
+              </p:nextCondLst>
+            </p:seq>
+          </p:childTnLst>
+        </p:cTn>
+      </p:par>
+    </p:tnLst>
+  </p:timing>
 </p:sld>
 </file>
 
@@ -12055,6 +12173,33 @@
       </p:sp>
     </p:spTree>
   </p:cSld>
+  <p:timing>
+    <p:tnLst>
+      <p:par>
+        <p:cTn id="9" dur="indefinite" restart="never" nodeType="tmRoot">
+          <p:childTnLst>
+            <p:seq>
+              <p:cTn id="10" dur="indefinite" nodeType="mainSeq"/>
+              <p:prevCondLst>
+                <p:cond delay="0" evt="onPrev">
+                  <p:tgtEl>
+                    <p:sldTgt/>
+                  </p:tgtEl>
+                </p:cond>
+              </p:prevCondLst>
+              <p:nextCondLst>
+                <p:cond delay="0" evt="onNext">
+                  <p:tgtEl>
+                    <p:sldTgt/>
+                  </p:tgtEl>
+                </p:cond>
+              </p:nextCondLst>
+            </p:seq>
+          </p:childTnLst>
+        </p:cTn>
+      </p:par>
+    </p:tnLst>
+  </p:timing>
 </p:sld>
 </file>
 
@@ -12472,6 +12617,33 @@
       </p:sp>
     </p:spTree>
   </p:cSld>
+  <p:timing>
+    <p:tnLst>
+      <p:par>
+        <p:cTn id="11" dur="indefinite" restart="never" nodeType="tmRoot">
+          <p:childTnLst>
+            <p:seq>
+              <p:cTn id="12" dur="indefinite" nodeType="mainSeq"/>
+              <p:prevCondLst>
+                <p:cond delay="0" evt="onPrev">
+                  <p:tgtEl>
+                    <p:sldTgt/>
+                  </p:tgtEl>
+                </p:cond>
+              </p:prevCondLst>
+              <p:nextCondLst>
+                <p:cond delay="0" evt="onNext">
+                  <p:tgtEl>
+                    <p:sldTgt/>
+                  </p:tgtEl>
+                </p:cond>
+              </p:nextCondLst>
+            </p:seq>
+          </p:childTnLst>
+        </p:cTn>
+      </p:par>
+    </p:tnLst>
+  </p:timing>
 </p:sld>
 </file>
 
@@ -15831,7 +16003,7 @@
         <p:spPr>
           <a:xfrm>
             <a:off x="6143400" y="1224360"/>
-            <a:ext cx="5546520" cy="4988520"/>
+            <a:ext cx="5546520" cy="4188960"/>
           </a:xfrm>
           <a:prstGeom prst="rect">
             <a:avLst/>
